--- a/Lectures/Lecture1.pptx
+++ b/Lectures/Lecture1.pptx
@@ -5051,7 +5051,7 @@
           <a:noFill/>
           <a:extLst>
             <a:ext uri="{909E8E84-426E-40dd-AFC4-6F175D3DCCD1}">
-              <a14:hiddenFill xmlns:a14="http://schemas.microsoft.com/office/drawing/2010/main" xmlns="">
+              <a14:hiddenFill xmlns="" xmlns:a14="http://schemas.microsoft.com/office/drawing/2010/main">
                 <a:solidFill>
                   <a:srgbClr val="FFFFFF"/>
                 </a:solidFill>
@@ -7128,7 +7128,7 @@
                   <a:schemeClr val="accent1"/>
                 </a:solidFill>
               </a:rPr>
-              <a:t>Statistical significance:</a:t>
+              <a:t>Statistical significance: Could the results have happened by chance?</a:t>
             </a:r>
           </a:p>
           <a:p>
@@ -7155,23 +7155,13 @@
             <a:pPr>
               <a:buNone/>
             </a:pPr>
-            <a:endParaRPr lang="en-US" sz="2800" dirty="0">
-              <a:solidFill>
-                <a:schemeClr val="accent1"/>
-              </a:solidFill>
-            </a:endParaRPr>
-          </a:p>
-          <a:p>
-            <a:pPr>
-              <a:buNone/>
-            </a:pPr>
             <a:r>
               <a:rPr lang="en-US" sz="2800" dirty="0">
                 <a:solidFill>
                   <a:schemeClr val="accent1"/>
                 </a:solidFill>
               </a:rPr>
-              <a:t>Practical significance: </a:t>
+              <a:t>Practical significance: Is this useful information that decision makers can act upon?</a:t>
             </a:r>
           </a:p>
           <a:p>
@@ -7198,23 +7188,13 @@
             <a:pPr>
               <a:buNone/>
             </a:pPr>
-            <a:endParaRPr lang="en-US" sz="2800" dirty="0">
-              <a:solidFill>
-                <a:schemeClr val="accent1"/>
-              </a:solidFill>
-            </a:endParaRPr>
-          </a:p>
-          <a:p>
-            <a:pPr>
-              <a:buNone/>
-            </a:pPr>
             <a:r>
               <a:rPr lang="en-US" sz="2800" dirty="0">
                 <a:solidFill>
                   <a:schemeClr val="accent1"/>
                 </a:solidFill>
               </a:rPr>
-              <a:t>Generalizability: </a:t>
+              <a:t>Generalizability: Who is the larger population that our work refers to?</a:t>
             </a:r>
             <a:endParaRPr lang="en" sz="2800" dirty="0"/>
           </a:p>
